--- a/final_report_김재용_2019011033.pptx
+++ b/final_report_김재용_2019011033.pptx
@@ -5,7 +5,7 @@
     <p:sldMasterId id="2147483648" r:id="rId1"/>
   </p:sldMasterIdLst>
   <p:notesMasterIdLst>
-    <p:notesMasterId r:id="rId47"/>
+    <p:notesMasterId r:id="rId48"/>
   </p:notesMasterIdLst>
   <p:sldIdLst>
     <p:sldId id="256" r:id="rId2"/>
@@ -46,13 +46,14 @@
     <p:sldId id="310" r:id="rId37"/>
     <p:sldId id="295" r:id="rId38"/>
     <p:sldId id="311" r:id="rId39"/>
-    <p:sldId id="296" r:id="rId40"/>
-    <p:sldId id="289" r:id="rId41"/>
-    <p:sldId id="297" r:id="rId42"/>
-    <p:sldId id="290" r:id="rId43"/>
-    <p:sldId id="312" r:id="rId44"/>
-    <p:sldId id="291" r:id="rId45"/>
-    <p:sldId id="266" r:id="rId46"/>
+    <p:sldId id="314" r:id="rId40"/>
+    <p:sldId id="296" r:id="rId41"/>
+    <p:sldId id="289" r:id="rId42"/>
+    <p:sldId id="297" r:id="rId43"/>
+    <p:sldId id="290" r:id="rId44"/>
+    <p:sldId id="312" r:id="rId45"/>
+    <p:sldId id="291" r:id="rId46"/>
+    <p:sldId id="266" r:id="rId47"/>
   </p:sldIdLst>
   <p:sldSz cx="18288000" cy="10287000"/>
   <p:notesSz cx="10287000" cy="18288000"/>
@@ -252,7 +253,7 @@
           <a:p>
             <a:fld id="{491AAACA-BC8E-4A9D-B068-EFC88FD8A277}" type="datetimeFigureOut">
               <a:rPr lang="ko-KR" altLang="en-US" smtClean="0"/>
-              <a:t>2023-05-28</a:t>
+              <a:t>2023-06-02</a:t>
             </a:fld>
             <a:endParaRPr lang="ko-KR" altLang="en-US"/>
           </a:p>
@@ -1433,7 +1434,7 @@
     </p:spTree>
     <p:extLst>
       <p:ext uri="{BB962C8B-B14F-4D97-AF65-F5344CB8AC3E}">
-        <p14:creationId xmlns:p14="http://schemas.microsoft.com/office/powerpoint/2010/main" val="2486126205"/>
+        <p14:creationId xmlns:p14="http://schemas.microsoft.com/office/powerpoint/2010/main" val="2215469337"/>
       </p:ext>
     </p:extLst>
   </p:cSld>
@@ -1601,7 +1602,7 @@
     </p:spTree>
     <p:extLst>
       <p:ext uri="{BB962C8B-B14F-4D97-AF65-F5344CB8AC3E}">
-        <p14:creationId xmlns:p14="http://schemas.microsoft.com/office/powerpoint/2010/main" val="3227776754"/>
+        <p14:creationId xmlns:p14="http://schemas.microsoft.com/office/powerpoint/2010/main" val="2486126205"/>
       </p:ext>
     </p:extLst>
   </p:cSld>
@@ -1685,7 +1686,7 @@
     </p:spTree>
     <p:extLst>
       <p:ext uri="{BB962C8B-B14F-4D97-AF65-F5344CB8AC3E}">
-        <p14:creationId xmlns:p14="http://schemas.microsoft.com/office/powerpoint/2010/main" val="3580428658"/>
+        <p14:creationId xmlns:p14="http://schemas.microsoft.com/office/powerpoint/2010/main" val="3227776754"/>
       </p:ext>
     </p:extLst>
   </p:cSld>
@@ -1769,7 +1770,7 @@
     </p:spTree>
     <p:extLst>
       <p:ext uri="{BB962C8B-B14F-4D97-AF65-F5344CB8AC3E}">
-        <p14:creationId xmlns:p14="http://schemas.microsoft.com/office/powerpoint/2010/main" val="1805365674"/>
+        <p14:creationId xmlns:p14="http://schemas.microsoft.com/office/powerpoint/2010/main" val="3580428658"/>
       </p:ext>
     </p:extLst>
   </p:cSld>
@@ -1853,7 +1854,7 @@
     </p:spTree>
     <p:extLst>
       <p:ext uri="{BB962C8B-B14F-4D97-AF65-F5344CB8AC3E}">
-        <p14:creationId xmlns:p14="http://schemas.microsoft.com/office/powerpoint/2010/main" val="3318327392"/>
+        <p14:creationId xmlns:p14="http://schemas.microsoft.com/office/powerpoint/2010/main" val="1805365674"/>
       </p:ext>
     </p:extLst>
   </p:cSld>
@@ -1929,6 +1930,90 @@
             <a:fld id="{13CCF18D-7831-400B-B3A6-2842DF00F132}" type="slidenum">
               <a:rPr lang="ko-KR" altLang="en-US" smtClean="0"/>
               <a:t>44</a:t>
+            </a:fld>
+            <a:endParaRPr lang="ko-KR" altLang="en-US"/>
+          </a:p>
+        </p:txBody>
+      </p:sp>
+    </p:spTree>
+    <p:extLst>
+      <p:ext uri="{BB962C8B-B14F-4D97-AF65-F5344CB8AC3E}">
+        <p14:creationId xmlns:p14="http://schemas.microsoft.com/office/powerpoint/2010/main" val="3318327392"/>
+      </p:ext>
+    </p:extLst>
+  </p:cSld>
+  <p:clrMapOvr>
+    <a:masterClrMapping/>
+  </p:clrMapOvr>
+</p:notes>
+</file>
+
+<file path=ppt/notesSlides/notesSlide25.xml><?xml version="1.0" encoding="utf-8"?>
+<p:notes xmlns:a="http://schemas.openxmlformats.org/drawingml/2006/main" xmlns:r="http://schemas.openxmlformats.org/officeDocument/2006/relationships" xmlns:p="http://schemas.openxmlformats.org/presentationml/2006/main">
+  <p:cSld>
+    <p:spTree>
+      <p:nvGrpSpPr>
+        <p:cNvPr id="1" name=""/>
+        <p:cNvGrpSpPr/>
+        <p:nvPr/>
+      </p:nvGrpSpPr>
+      <p:grpSpPr>
+        <a:xfrm>
+          <a:off x="0" y="0"/>
+          <a:ext cx="0" cy="0"/>
+          <a:chOff x="0" y="0"/>
+          <a:chExt cx="0" cy="0"/>
+        </a:xfrm>
+      </p:grpSpPr>
+      <p:sp>
+        <p:nvSpPr>
+          <p:cNvPr id="2" name="슬라이드 이미지 개체 틀 1"/>
+          <p:cNvSpPr>
+            <a:spLocks noGrp="1" noRot="1" noChangeAspect="1"/>
+          </p:cNvSpPr>
+          <p:nvPr>
+            <p:ph type="sldImg"/>
+          </p:nvPr>
+        </p:nvSpPr>
+        <p:spPr/>
+      </p:sp>
+      <p:sp>
+        <p:nvSpPr>
+          <p:cNvPr id="3" name="슬라이드 노트 개체 틀 2"/>
+          <p:cNvSpPr>
+            <a:spLocks noGrp="1"/>
+          </p:cNvSpPr>
+          <p:nvPr>
+            <p:ph type="body" idx="1"/>
+          </p:nvPr>
+        </p:nvSpPr>
+        <p:spPr/>
+        <p:txBody>
+          <a:bodyPr/>
+          <a:lstStyle/>
+          <a:p>
+            <a:endParaRPr lang="ko-KR" altLang="en-US" dirty="0"/>
+          </a:p>
+        </p:txBody>
+      </p:sp>
+      <p:sp>
+        <p:nvSpPr>
+          <p:cNvPr id="4" name="슬라이드 번호 개체 틀 3"/>
+          <p:cNvSpPr>
+            <a:spLocks noGrp="1"/>
+          </p:cNvSpPr>
+          <p:nvPr>
+            <p:ph type="sldNum" sz="quarter" idx="5"/>
+          </p:nvPr>
+        </p:nvSpPr>
+        <p:spPr/>
+        <p:txBody>
+          <a:bodyPr/>
+          <a:lstStyle/>
+          <a:p>
+            <a:fld id="{13CCF18D-7831-400B-B3A6-2842DF00F132}" type="slidenum">
+              <a:rPr lang="ko-KR" altLang="en-US" smtClean="0"/>
+              <a:t>45</a:t>
             </a:fld>
             <a:endParaRPr lang="ko-KR" altLang="en-US"/>
           </a:p>
@@ -2714,7 +2799,7 @@
           <a:p>
             <a:fld id="{F8166F1F-CE9B-4651-A6AA-CD717754106B}" type="datetimeFigureOut">
               <a:rPr lang="en-US" smtClean="0"/>
-              <a:t>5/28/2023</a:t>
+              <a:t>6/2/2023</a:t>
             </a:fld>
             <a:endParaRPr lang="en-US"/>
           </a:p>
@@ -2877,7 +2962,7 @@
           <a:p>
             <a:fld id="{A76116CE-C4A3-4A05-B2D7-7C2E9A889C0F}" type="datetimeFigureOut">
               <a:rPr lang="en-US" smtClean="0"/>
-              <a:t>5/28/2023</a:t>
+              <a:t>6/2/2023</a:t>
             </a:fld>
             <a:endParaRPr lang="en-US"/>
           </a:p>
@@ -3050,7 +3135,7 @@
           <a:p>
             <a:fld id="{A76116CE-C4A3-4A05-B2D7-7C2E9A889C0F}" type="datetimeFigureOut">
               <a:rPr lang="en-US" smtClean="0"/>
-              <a:t>5/28/2023</a:t>
+              <a:t>6/2/2023</a:t>
             </a:fld>
             <a:endParaRPr lang="en-US"/>
           </a:p>
@@ -3215,7 +3300,7 @@
           <a:p>
             <a:fld id="{A76116CE-C4A3-4A05-B2D7-7C2E9A889C0F}" type="datetimeFigureOut">
               <a:rPr lang="en-US" smtClean="0"/>
-              <a:t>5/28/2023</a:t>
+              <a:t>6/2/2023</a:t>
             </a:fld>
             <a:endParaRPr lang="en-US"/>
           </a:p>
@@ -3455,7 +3540,7 @@
           <a:p>
             <a:fld id="{A76116CE-C4A3-4A05-B2D7-7C2E9A889C0F}" type="datetimeFigureOut">
               <a:rPr lang="en-US" smtClean="0"/>
-              <a:t>5/28/2023</a:t>
+              <a:t>6/2/2023</a:t>
             </a:fld>
             <a:endParaRPr lang="en-US"/>
           </a:p>
@@ -3735,7 +3820,7 @@
           <a:p>
             <a:fld id="{A76116CE-C4A3-4A05-B2D7-7C2E9A889C0F}" type="datetimeFigureOut">
               <a:rPr lang="en-US" smtClean="0"/>
-              <a:t>5/28/2023</a:t>
+              <a:t>6/2/2023</a:t>
             </a:fld>
             <a:endParaRPr lang="en-US"/>
           </a:p>
@@ -4149,7 +4234,7 @@
           <a:p>
             <a:fld id="{A76116CE-C4A3-4A05-B2D7-7C2E9A889C0F}" type="datetimeFigureOut">
               <a:rPr lang="en-US" smtClean="0"/>
-              <a:t>5/28/2023</a:t>
+              <a:t>6/2/2023</a:t>
             </a:fld>
             <a:endParaRPr lang="en-US"/>
           </a:p>
@@ -4261,7 +4346,7 @@
           <a:p>
             <a:fld id="{A76116CE-C4A3-4A05-B2D7-7C2E9A889C0F}" type="datetimeFigureOut">
               <a:rPr lang="en-US" smtClean="0"/>
-              <a:t>5/28/2023</a:t>
+              <a:t>6/2/2023</a:t>
             </a:fld>
             <a:endParaRPr lang="en-US"/>
           </a:p>
@@ -4351,7 +4436,7 @@
           <a:p>
             <a:fld id="{A76116CE-C4A3-4A05-B2D7-7C2E9A889C0F}" type="datetimeFigureOut">
               <a:rPr lang="en-US" smtClean="0"/>
-              <a:t>5/28/2023</a:t>
+              <a:t>6/2/2023</a:t>
             </a:fld>
             <a:endParaRPr lang="en-US"/>
           </a:p>
@@ -4621,7 +4706,7 @@
           <a:p>
             <a:fld id="{A76116CE-C4A3-4A05-B2D7-7C2E9A889C0F}" type="datetimeFigureOut">
               <a:rPr lang="en-US" smtClean="0"/>
-              <a:t>5/28/2023</a:t>
+              <a:t>6/2/2023</a:t>
             </a:fld>
             <a:endParaRPr lang="en-US"/>
           </a:p>
@@ -4868,7 +4953,7 @@
           <a:p>
             <a:fld id="{A76116CE-C4A3-4A05-B2D7-7C2E9A889C0F}" type="datetimeFigureOut">
               <a:rPr lang="en-US" smtClean="0"/>
-              <a:t>5/28/2023</a:t>
+              <a:t>6/2/2023</a:t>
             </a:fld>
             <a:endParaRPr lang="en-US"/>
           </a:p>
@@ -5074,7 +5159,7 @@
           <a:p>
             <a:fld id="{F8166F1F-CE9B-4651-A6AA-CD717754106B}" type="datetimeFigureOut">
               <a:rPr lang="en-US" smtClean="0"/>
-              <a:t>5/28/2023</a:t>
+              <a:t>6/2/2023</a:t>
             </a:fld>
             <a:endParaRPr lang="en-US"/>
           </a:p>
@@ -10607,10 +10692,10 @@
       </p:sp>
       <p:pic>
         <p:nvPicPr>
-          <p:cNvPr id="2" name="그림 1">
+          <p:cNvPr id="6" name="그림 5">
             <a:extLst>
               <a:ext uri="{FF2B5EF4-FFF2-40B4-BE49-F238E27FC236}">
-                <a16:creationId xmlns:a16="http://schemas.microsoft.com/office/drawing/2014/main" id="{99954E3A-D3C1-7FF5-BFC6-BE16A7728AA4}"/>
+                <a16:creationId xmlns:a16="http://schemas.microsoft.com/office/drawing/2014/main" id="{FCE5D7EB-1BAE-3687-B493-EC836EAEFDBA}"/>
               </a:ext>
             </a:extLst>
           </p:cNvPr>
@@ -10627,8 +10712,8 @@
         </p:blipFill>
         <p:spPr>
           <a:xfrm>
-            <a:off x="1008267" y="3774229"/>
-            <a:ext cx="15163800" cy="6509084"/>
+            <a:off x="2590800" y="3125510"/>
+            <a:ext cx="12496800" cy="7161490"/>
           </a:xfrm>
           <a:prstGeom prst="rect">
             <a:avLst/>
@@ -14338,7 +14423,7 @@
         <p:spPr>
           <a:xfrm>
             <a:off x="504133" y="2476500"/>
-            <a:ext cx="17279733" cy="6863417"/>
+            <a:ext cx="7230169" cy="3785652"/>
           </a:xfrm>
           <a:prstGeom prst="rect">
             <a:avLst/>
@@ -14383,8 +14468,6 @@
               </a:rPr>
               <a:t> - Future stock price prediction based on industry status and stock prices</a:t>
             </a:r>
-          </a:p>
-          <a:p>
             <a:endParaRPr lang="en-US" altLang="ko-KR" sz="4000" dirty="0">
               <a:solidFill>
                 <a:srgbClr val="374151"/>
@@ -14393,26 +14476,6 @@
             </a:endParaRPr>
           </a:p>
           <a:p>
-            <a:r>
-              <a:rPr lang="en-US" altLang="ko-KR" sz="4000" b="0" i="0" dirty="0">
-                <a:solidFill>
-                  <a:srgbClr val="374151"/>
-                </a:solidFill>
-                <a:effectLst/>
-                <a:latin typeface="Söhne"/>
-              </a:rPr>
-              <a:t>=&gt; </a:t>
-            </a:r>
-            <a:r>
-              <a:rPr lang="en-US" altLang="ko-KR" sz="4000" b="0" i="0" dirty="0">
-                <a:solidFill>
-                  <a:srgbClr val="000000"/>
-                </a:solidFill>
-                <a:effectLst/>
-                <a:latin typeface="noto"/>
-              </a:rPr>
-              <a:t>Looking at the five papers found above, the status of electric vehicles and electric vehicle charging stations in Korea, and sales of related companies, it is clear that the outlook for electric vehicle and battery-related industries is bright. LG Energy Solution and Samsung SDI saw their sales rise and stock prices rise. Therefore, the outlook for these two companies is bright. However, considering SK Innovation's decline in sales and stock prices in the fourth quarter of 2022, SK Innovation's stocks are not attractive.</a:t>
-            </a:r>
             <a:endParaRPr lang="en-US" altLang="ko-KR" sz="4000" dirty="0">
               <a:solidFill>
                 <a:srgbClr val="374151"/>
@@ -14422,10 +14485,101 @@
           </a:p>
         </p:txBody>
       </p:sp>
+      <p:pic>
+        <p:nvPicPr>
+          <p:cNvPr id="3" name="그림 2">
+            <a:extLst>
+              <a:ext uri="{FF2B5EF4-FFF2-40B4-BE49-F238E27FC236}">
+                <a16:creationId xmlns:a16="http://schemas.microsoft.com/office/drawing/2014/main" id="{D6E62630-F429-3326-3C83-9BBB22454CD9}"/>
+              </a:ext>
+            </a:extLst>
+          </p:cNvPr>
+          <p:cNvPicPr>
+            <a:picLocks noChangeAspect="1"/>
+          </p:cNvPicPr>
+          <p:nvPr/>
+        </p:nvPicPr>
+        <p:blipFill>
+          <a:blip r:embed="rId4"/>
+          <a:stretch>
+            <a:fillRect/>
+          </a:stretch>
+        </p:blipFill>
+        <p:spPr>
+          <a:xfrm>
+            <a:off x="8053129" y="2172447"/>
+            <a:ext cx="9715498" cy="7550991"/>
+          </a:xfrm>
+          <a:prstGeom prst="rect">
+            <a:avLst/>
+          </a:prstGeom>
+        </p:spPr>
+      </p:pic>
+      <p:sp>
+        <p:nvSpPr>
+          <p:cNvPr id="6" name="TextBox 5">
+            <a:extLst>
+              <a:ext uri="{FF2B5EF4-FFF2-40B4-BE49-F238E27FC236}">
+                <a16:creationId xmlns:a16="http://schemas.microsoft.com/office/drawing/2014/main" id="{932BD555-8D55-94F7-F97F-900C6CE7E401}"/>
+              </a:ext>
+            </a:extLst>
+          </p:cNvPr>
+          <p:cNvSpPr txBox="1"/>
+          <p:nvPr/>
+        </p:nvSpPr>
+        <p:spPr>
+          <a:xfrm>
+            <a:off x="504133" y="6515100"/>
+            <a:ext cx="7044862" cy="2939266"/>
+          </a:xfrm>
+          <a:prstGeom prst="rect">
+            <a:avLst/>
+          </a:prstGeom>
+          <a:noFill/>
+        </p:spPr>
+        <p:txBody>
+          <a:bodyPr wrap="square" rtlCol="0">
+            <a:spAutoFit/>
+          </a:bodyPr>
+          <a:lstStyle/>
+          <a:p>
+            <a:r>
+              <a:rPr lang="en-US" altLang="ko-KR" sz="4500" b="0" i="0" dirty="0">
+                <a:solidFill>
+                  <a:srgbClr val="374151"/>
+                </a:solidFill>
+                <a:effectLst/>
+                <a:latin typeface="Söhne"/>
+              </a:rPr>
+              <a:t>- </a:t>
+            </a:r>
+            <a:r>
+              <a:rPr lang="en-US" altLang="ko-KR" sz="4500" b="0" i="0" dirty="0">
+                <a:solidFill>
+                  <a:srgbClr val="000000"/>
+                </a:solidFill>
+                <a:effectLst/>
+                <a:latin typeface="noto"/>
+              </a:rPr>
+              <a:t>The following graph shows the returns of the three companies</a:t>
+            </a:r>
+            <a:endParaRPr lang="en-US" altLang="ko-KR" sz="4500" b="0" i="0" dirty="0">
+              <a:solidFill>
+                <a:srgbClr val="374151"/>
+              </a:solidFill>
+              <a:effectLst/>
+              <a:latin typeface="Söhne"/>
+            </a:endParaRPr>
+          </a:p>
+          <a:p>
+            <a:endParaRPr lang="ko-KR" altLang="en-US" sz="5000" dirty="0"/>
+          </a:p>
+        </p:txBody>
+      </p:sp>
     </p:spTree>
     <p:extLst>
       <p:ext uri="{BB962C8B-B14F-4D97-AF65-F5344CB8AC3E}">
-        <p14:creationId xmlns:p14="http://schemas.microsoft.com/office/powerpoint/2010/main" val="7604882"/>
+        <p14:creationId xmlns:p14="http://schemas.microsoft.com/office/powerpoint/2010/main" val="2114660206"/>
       </p:ext>
     </p:extLst>
   </p:cSld>
@@ -14871,7 +15025,7 @@
           <a:p>
             <a:r>
               <a:rPr lang="en-US" altLang="ko-KR" sz="6000" dirty="0"/>
-              <a:t>Discussions</a:t>
+              <a:t>Findings </a:t>
             </a:r>
             <a:endParaRPr lang="ko-KR" altLang="en-US" sz="6000" dirty="0"/>
           </a:p>
@@ -14879,10 +15033,10 @@
       </p:sp>
       <p:sp>
         <p:nvSpPr>
-          <p:cNvPr id="2" name="TextBox 1">
+          <p:cNvPr id="7" name="TextBox 6">
             <a:extLst>
               <a:ext uri="{FF2B5EF4-FFF2-40B4-BE49-F238E27FC236}">
-                <a16:creationId xmlns:a16="http://schemas.microsoft.com/office/drawing/2014/main" id="{21C16C1B-2401-C864-7789-E5EE9F5A5333}"/>
+                <a16:creationId xmlns:a16="http://schemas.microsoft.com/office/drawing/2014/main" id="{A7D4880D-F854-891E-4A46-E30B06D48B69}"/>
               </a:ext>
             </a:extLst>
           </p:cNvPr>
@@ -14891,8 +15045,8 @@
         </p:nvSpPr>
         <p:spPr>
           <a:xfrm>
-            <a:off x="504133" y="3009900"/>
-            <a:ext cx="17279733" cy="5016758"/>
+            <a:off x="504133" y="2476500"/>
+            <a:ext cx="17279733" cy="6863417"/>
           </a:xfrm>
           <a:prstGeom prst="rect">
             <a:avLst/>
@@ -14914,23 +15068,63 @@
                 <a:effectLst/>
                 <a:latin typeface="Söhne"/>
               </a:rPr>
-              <a:t>In fact, it is not easy to predict stock prices. Various factors such as interest rates, exchange rates, industry status, internal status of companies, and financial statements affect stock prices. But based on the above data, when analyzed I thought that the increase in the number of electric vehicles and electric vehicle charging stations by region would have naturally increased the company. As can be seen from SK Innovation, sales in the fourth quarter of 2022 decreased and stock prices fell compared to a year ago. </a:t>
-            </a:r>
-            <a:r>
-              <a:rPr lang="en-US" altLang="ko-KR" sz="4000" b="0" i="0" dirty="0">
-                <a:solidFill>
-                  <a:srgbClr val="000000"/>
-                </a:solidFill>
-                <a:effectLst/>
-                <a:latin typeface="noto"/>
-              </a:rPr>
-              <a:t>Therefore, I think we should judge based on other additional data.</a:t>
-            </a:r>
-            <a:endParaRPr lang="en-US" altLang="ko-KR" sz="4000" b="0" i="0" dirty="0">
+              <a:t>Research Question4</a:t>
+            </a:r>
+          </a:p>
+          <a:p>
+            <a:pPr algn="l"/>
+            <a:endParaRPr lang="en-US" altLang="ko-KR" sz="4000" dirty="0">
               <a:solidFill>
                 <a:srgbClr val="374151"/>
               </a:solidFill>
-              <a:effectLst/>
+              <a:latin typeface="Söhne"/>
+            </a:endParaRPr>
+          </a:p>
+          <a:p>
+            <a:r>
+              <a:rPr lang="en-US" altLang="ko-KR" sz="4000" b="0" i="0" dirty="0">
+                <a:solidFill>
+                  <a:srgbClr val="374151"/>
+                </a:solidFill>
+                <a:effectLst/>
+                <a:latin typeface="Söhne"/>
+              </a:rPr>
+              <a:t> - Future stock price prediction based on industry status and stock prices</a:t>
+            </a:r>
+          </a:p>
+          <a:p>
+            <a:endParaRPr lang="en-US" altLang="ko-KR" sz="4000" dirty="0">
+              <a:solidFill>
+                <a:srgbClr val="374151"/>
+              </a:solidFill>
+              <a:latin typeface="Söhne"/>
+            </a:endParaRPr>
+          </a:p>
+          <a:p>
+            <a:r>
+              <a:rPr lang="en-US" altLang="ko-KR" sz="4000" b="0" i="0" dirty="0">
+                <a:solidFill>
+                  <a:srgbClr val="374151"/>
+                </a:solidFill>
+                <a:effectLst/>
+                <a:latin typeface="Söhne"/>
+              </a:rPr>
+              <a:t>=&gt; </a:t>
+            </a:r>
+            <a:r>
+              <a:rPr lang="en-US" altLang="ko-KR" sz="4000" b="0" i="0" dirty="0">
+                <a:solidFill>
+                  <a:srgbClr val="000000"/>
+                </a:solidFill>
+                <a:effectLst/>
+                <a:latin typeface="noto"/>
+              </a:rPr>
+              <a:t>Looking at the five papers found above, the status of electric vehicles and electric vehicle charging stations in Korea, and sales of related companies, it is clear that the outlook for electric vehicle and battery-related industries is bright. LG Energy Solution and Samsung SDI saw their sales rise and stock prices rise. Therefore, the outlook for these two companies is bright. However, considering SK Innovation's decline in sales and stock prices in the fourth quarter of 2022, SK Innovation's stocks are not attractive.</a:t>
+            </a:r>
+            <a:endParaRPr lang="en-US" altLang="ko-KR" sz="4000" dirty="0">
+              <a:solidFill>
+                <a:srgbClr val="374151"/>
+              </a:solidFill>
               <a:latin typeface="Söhne"/>
             </a:endParaRPr>
           </a:p>
@@ -14939,7 +15133,7 @@
     </p:spTree>
     <p:extLst>
       <p:ext uri="{BB962C8B-B14F-4D97-AF65-F5344CB8AC3E}">
-        <p14:creationId xmlns:p14="http://schemas.microsoft.com/office/powerpoint/2010/main" val="2643594042"/>
+        <p14:creationId xmlns:p14="http://schemas.microsoft.com/office/powerpoint/2010/main" val="7604882"/>
       </p:ext>
     </p:extLst>
   </p:cSld>
@@ -15046,7 +15240,7 @@
           <p:cNvPr id="2" name="TextBox 1">
             <a:extLst>
               <a:ext uri="{FF2B5EF4-FFF2-40B4-BE49-F238E27FC236}">
-                <a16:creationId xmlns:a16="http://schemas.microsoft.com/office/drawing/2014/main" id="{69C50708-5671-6E78-905F-50847EE97915}"/>
+                <a16:creationId xmlns:a16="http://schemas.microsoft.com/office/drawing/2014/main" id="{21C16C1B-2401-C864-7789-E5EE9F5A5333}"/>
               </a:ext>
             </a:extLst>
           </p:cNvPr>
@@ -15055,7 +15249,7 @@
         </p:nvSpPr>
         <p:spPr>
           <a:xfrm>
-            <a:off x="838200" y="3086100"/>
+            <a:off x="504133" y="3009900"/>
             <a:ext cx="17279733" cy="5016758"/>
           </a:xfrm>
           <a:prstGeom prst="rect">
@@ -15069,6 +15263,17 @@
           </a:bodyPr>
           <a:lstStyle/>
           <a:p>
+            <a:pPr algn="l"/>
+            <a:r>
+              <a:rPr lang="en-US" altLang="ko-KR" sz="4000" b="0" i="0" dirty="0">
+                <a:solidFill>
+                  <a:srgbClr val="374151"/>
+                </a:solidFill>
+                <a:effectLst/>
+                <a:latin typeface="Söhne"/>
+              </a:rPr>
+              <a:t>In fact, it is not easy to predict stock prices. Various factors such as interest rates, exchange rates, industry status, internal status of companies, and financial statements affect stock prices. But based on the above data, when analyzed I thought that the increase in the number of electric vehicles and electric vehicle charging stations by region would have naturally increased the company. As can be seen from SK Innovation, sales in the fourth quarter of 2022 decreased and stock prices fell compared to a year ago. </a:t>
+            </a:r>
             <a:r>
               <a:rPr lang="en-US" altLang="ko-KR" sz="4000" b="0" i="0" dirty="0">
                 <a:solidFill>
@@ -15077,7 +15282,7 @@
                 <a:effectLst/>
                 <a:latin typeface="noto"/>
               </a:rPr>
-              <a:t>There are many factors that affect a company's stock price. At first, I simply considered the status of electric vehicles and charging stations in the country. However, LG Energy Solution, Samsung SDI, and SK Innovation all collaborate with overseas electric vehicle companies and export them overseas. Looking at the current status of electric vehicles and charging stations around the world will also improve understanding of the electric vehicle industry. In addition, rather than simply focusing on sales and sales, political factors such as policies related to electric vehicle subsidies will be better understood.</a:t>
+              <a:t>Therefore, I think we should judge based on other additional data.</a:t>
             </a:r>
             <a:endParaRPr lang="en-US" altLang="ko-KR" sz="4000" b="0" i="0" dirty="0">
               <a:solidFill>
@@ -15092,7 +15297,7 @@
     </p:spTree>
     <p:extLst>
       <p:ext uri="{BB962C8B-B14F-4D97-AF65-F5344CB8AC3E}">
-        <p14:creationId xmlns:p14="http://schemas.microsoft.com/office/powerpoint/2010/main" val="2076973813"/>
+        <p14:creationId xmlns:p14="http://schemas.microsoft.com/office/powerpoint/2010/main" val="2643594042"/>
       </p:ext>
     </p:extLst>
   </p:cSld>
@@ -15196,10 +15401,10 @@
       </p:sp>
       <p:sp>
         <p:nvSpPr>
-          <p:cNvPr id="6" name="TextBox 5">
+          <p:cNvPr id="2" name="TextBox 1">
             <a:extLst>
               <a:ext uri="{FF2B5EF4-FFF2-40B4-BE49-F238E27FC236}">
-                <a16:creationId xmlns:a16="http://schemas.microsoft.com/office/drawing/2014/main" id="{9EC54EF5-4873-E12F-A360-D5A09072C2CB}"/>
+                <a16:creationId xmlns:a16="http://schemas.microsoft.com/office/drawing/2014/main" id="{69C50708-5671-6E78-905F-50847EE97915}"/>
               </a:ext>
             </a:extLst>
           </p:cNvPr>
@@ -15208,8 +15413,8 @@
         </p:nvSpPr>
         <p:spPr>
           <a:xfrm>
-            <a:off x="838200" y="2723324"/>
-            <a:ext cx="17279733" cy="6863417"/>
+            <a:off x="838200" y="3086100"/>
+            <a:ext cx="17279733" cy="5016758"/>
           </a:xfrm>
           <a:prstGeom prst="rect">
             <a:avLst/>
@@ -15222,7 +15427,6 @@
           </a:bodyPr>
           <a:lstStyle/>
           <a:p>
-            <a:pPr algn="l"/>
             <a:r>
               <a:rPr lang="en-US" altLang="ko-KR" sz="4000" b="0" i="0" dirty="0">
                 <a:solidFill>
@@ -15231,12 +15435,13 @@
                 <a:effectLst/>
                 <a:latin typeface="noto"/>
               </a:rPr>
-              <a:t>Electric vehicles and secondary batteries are currently the most promising industries. These are industries that adapt to environmental issues and climate change. It also plays an important role in national policy and energy strategies, with technological innovation and economic impact. I researched three representative Korean companies belonging to these industries and identified their sales figures. This predicted the price of stocks, which is the most basic behavior in stock investment and industry analysis. Through this, it is possible to analyze the stock prices of related industries and companies with objective and specific data. Also, since they are the core of the Korean industry, it is very important to understand these things, and based on this method, it is expected to be of great help in understanding other industries and investigating other companies.</a:t>
-            </a:r>
-            <a:endParaRPr lang="en-US" altLang="ko-KR" sz="4000" dirty="0">
+              <a:t>There are many factors that affect a company's stock price. At first, I simply considered the status of electric vehicles and charging stations in the country. However, LG Energy Solution, Samsung SDI, and SK Innovation all collaborate with overseas electric vehicle companies and export them overseas. Looking at the current status of electric vehicles and charging stations around the world will also improve understanding of the electric vehicle industry. In addition, rather than simply focusing on sales and sales, political factors such as policies related to electric vehicle subsidies will be better understood.</a:t>
+            </a:r>
+            <a:endParaRPr lang="en-US" altLang="ko-KR" sz="4000" b="0" i="0" dirty="0">
               <a:solidFill>
                 <a:srgbClr val="374151"/>
               </a:solidFill>
+              <a:effectLst/>
               <a:latin typeface="Söhne"/>
             </a:endParaRPr>
           </a:p>
@@ -15245,7 +15450,7 @@
     </p:spTree>
     <p:extLst>
       <p:ext uri="{BB962C8B-B14F-4D97-AF65-F5344CB8AC3E}">
-        <p14:creationId xmlns:p14="http://schemas.microsoft.com/office/powerpoint/2010/main" val="2761439055"/>
+        <p14:creationId xmlns:p14="http://schemas.microsoft.com/office/powerpoint/2010/main" val="2076973813"/>
       </p:ext>
     </p:extLst>
   </p:cSld>
@@ -15361,8 +15566,8 @@
         </p:nvSpPr>
         <p:spPr>
           <a:xfrm>
-            <a:off x="838200" y="3238500"/>
-            <a:ext cx="17279733" cy="4401205"/>
+            <a:off x="838200" y="2723324"/>
+            <a:ext cx="17279733" cy="6863417"/>
           </a:xfrm>
           <a:prstGeom prst="rect">
             <a:avLst/>
@@ -15384,26 +15589,12 @@
                 <a:effectLst/>
                 <a:latin typeface="noto"/>
               </a:rPr>
-              <a:t>In fact, a lot of data is needed to analyze the stock prices of industries and companies. I judge industries and stocks with three data, but I actually have to analyze dozens of data to make a judgment. I have to put a lot of effort into my data collection ability.</a:t>
-            </a:r>
-            <a:br>
-              <a:rPr lang="en-US" altLang="ko-KR" sz="4000" dirty="0"/>
-            </a:br>
-            <a:r>
-              <a:rPr lang="en-US" altLang="ko-KR" sz="4000" b="0" i="0" dirty="0">
-                <a:solidFill>
-                  <a:srgbClr val="000000"/>
-                </a:solidFill>
-                <a:effectLst/>
-                <a:latin typeface="noto"/>
-              </a:rPr>
-              <a:t>It also requires the ability to process and analyze the data. I visualized it with only tables and graphs, but in reality, I believe that analysis using various analysis tools will improve understanding.</a:t>
-            </a:r>
-            <a:endParaRPr lang="ko-KR" altLang="en-US" sz="4000" b="0" i="0" dirty="0">
+              <a:t>Electric vehicles and secondary batteries are currently the most promising industries. These are industries that adapt to environmental issues and climate change. It also plays an important role in national policy and energy strategies, with technological innovation and economic impact. I researched three representative Korean companies belonging to these industries and identified their sales figures. This predicted the price of stocks, which is the most basic behavior in stock investment and industry analysis. Through this, it is possible to analyze the stock prices of related industries and companies with objective and specific data. Also, since they are the core of the Korean industry, it is very important to understand these things, and based on this method, it is expected to be of great help in understanding other industries and investigating other companies.</a:t>
+            </a:r>
+            <a:endParaRPr lang="en-US" altLang="ko-KR" sz="4000" dirty="0">
               <a:solidFill>
                 <a:srgbClr val="374151"/>
               </a:solidFill>
-              <a:effectLst/>
               <a:latin typeface="Söhne"/>
             </a:endParaRPr>
           </a:p>
@@ -15412,7 +15603,7 @@
     </p:spTree>
     <p:extLst>
       <p:ext uri="{BB962C8B-B14F-4D97-AF65-F5344CB8AC3E}">
-        <p14:creationId xmlns:p14="http://schemas.microsoft.com/office/powerpoint/2010/main" val="1179962622"/>
+        <p14:creationId xmlns:p14="http://schemas.microsoft.com/office/powerpoint/2010/main" val="2761439055"/>
       </p:ext>
     </p:extLst>
   </p:cSld>
@@ -15507,6 +15698,173 @@
           <a:lstStyle/>
           <a:p>
             <a:r>
+              <a:rPr lang="en-US" altLang="ko-KR" sz="6000" dirty="0"/>
+              <a:t>Discussions</a:t>
+            </a:r>
+            <a:endParaRPr lang="ko-KR" altLang="en-US" sz="6000" dirty="0"/>
+          </a:p>
+        </p:txBody>
+      </p:sp>
+      <p:sp>
+        <p:nvSpPr>
+          <p:cNvPr id="6" name="TextBox 5">
+            <a:extLst>
+              <a:ext uri="{FF2B5EF4-FFF2-40B4-BE49-F238E27FC236}">
+                <a16:creationId xmlns:a16="http://schemas.microsoft.com/office/drawing/2014/main" id="{9EC54EF5-4873-E12F-A360-D5A09072C2CB}"/>
+              </a:ext>
+            </a:extLst>
+          </p:cNvPr>
+          <p:cNvSpPr txBox="1"/>
+          <p:nvPr/>
+        </p:nvSpPr>
+        <p:spPr>
+          <a:xfrm>
+            <a:off x="838200" y="3238500"/>
+            <a:ext cx="17279733" cy="4401205"/>
+          </a:xfrm>
+          <a:prstGeom prst="rect">
+            <a:avLst/>
+          </a:prstGeom>
+          <a:noFill/>
+        </p:spPr>
+        <p:txBody>
+          <a:bodyPr wrap="square" rtlCol="0">
+            <a:spAutoFit/>
+          </a:bodyPr>
+          <a:lstStyle/>
+          <a:p>
+            <a:pPr algn="l"/>
+            <a:r>
+              <a:rPr lang="en-US" altLang="ko-KR" sz="4000" b="0" i="0" dirty="0">
+                <a:solidFill>
+                  <a:srgbClr val="000000"/>
+                </a:solidFill>
+                <a:effectLst/>
+                <a:latin typeface="noto"/>
+              </a:rPr>
+              <a:t>In fact, a lot of data is needed to analyze the stock prices of industries and companies. I judge industries and stocks with three data, but I actually have to analyze dozens of data to make a judgment. I have to put a lot of effort into my data collection ability.</a:t>
+            </a:r>
+            <a:br>
+              <a:rPr lang="en-US" altLang="ko-KR" sz="4000" dirty="0"/>
+            </a:br>
+            <a:r>
+              <a:rPr lang="en-US" altLang="ko-KR" sz="4000" b="0" i="0" dirty="0">
+                <a:solidFill>
+                  <a:srgbClr val="000000"/>
+                </a:solidFill>
+                <a:effectLst/>
+                <a:latin typeface="noto"/>
+              </a:rPr>
+              <a:t>It also requires the ability to process and analyze the data. I visualized it with only tables and graphs, but in reality, I believe that analysis using various analysis tools will improve understanding.</a:t>
+            </a:r>
+            <a:endParaRPr lang="ko-KR" altLang="en-US" sz="4000" b="0" i="0" dirty="0">
+              <a:solidFill>
+                <a:srgbClr val="374151"/>
+              </a:solidFill>
+              <a:effectLst/>
+              <a:latin typeface="Söhne"/>
+            </a:endParaRPr>
+          </a:p>
+        </p:txBody>
+      </p:sp>
+    </p:spTree>
+    <p:extLst>
+      <p:ext uri="{BB962C8B-B14F-4D97-AF65-F5344CB8AC3E}">
+        <p14:creationId xmlns:p14="http://schemas.microsoft.com/office/powerpoint/2010/main" val="1179962622"/>
+      </p:ext>
+    </p:extLst>
+  </p:cSld>
+  <p:clrMapOvr>
+    <a:masterClrMapping/>
+  </p:clrMapOvr>
+</p:sld>
+</file>
+
+<file path=ppt/slides/slide45.xml><?xml version="1.0" encoding="utf-8"?>
+<p:sld xmlns:a="http://schemas.openxmlformats.org/drawingml/2006/main" xmlns:r="http://schemas.openxmlformats.org/officeDocument/2006/relationships" xmlns:p="http://schemas.openxmlformats.org/presentationml/2006/main">
+  <p:cSld>
+    <p:spTree>
+      <p:nvGrpSpPr>
+        <p:cNvPr id="1" name=""/>
+        <p:cNvGrpSpPr/>
+        <p:nvPr/>
+      </p:nvGrpSpPr>
+      <p:grpSpPr>
+        <a:xfrm>
+          <a:off x="0" y="0"/>
+          <a:ext cx="0" cy="0"/>
+          <a:chOff x="0" y="0"/>
+          <a:chExt cx="0" cy="0"/>
+        </a:xfrm>
+      </p:grpSpPr>
+      <p:grpSp>
+        <p:nvGrpSpPr>
+          <p:cNvPr id="1001" name="그룹 1001"/>
+          <p:cNvGrpSpPr/>
+          <p:nvPr/>
+        </p:nvGrpSpPr>
+        <p:grpSpPr>
+          <a:xfrm>
+            <a:off x="1008267" y="1862681"/>
+            <a:ext cx="8918865" cy="163007"/>
+            <a:chOff x="1008267" y="1862681"/>
+            <a:chExt cx="8918865" cy="163007"/>
+          </a:xfrm>
+        </p:grpSpPr>
+        <p:pic>
+          <p:nvPicPr>
+            <p:cNvPr id="5" name="Object 4"/>
+            <p:cNvPicPr>
+              <a:picLocks noChangeAspect="1"/>
+            </p:cNvPicPr>
+            <p:nvPr/>
+          </p:nvPicPr>
+          <p:blipFill>
+            <a:blip r:embed="rId3" cstate="print"/>
+            <a:stretch>
+              <a:fillRect/>
+            </a:stretch>
+          </p:blipFill>
+          <p:spPr>
+            <a:xfrm rot="-10800000">
+              <a:off x="1008267" y="1862681"/>
+              <a:ext cx="8918865" cy="163007"/>
+            </a:xfrm>
+            <a:prstGeom prst="rect">
+              <a:avLst/>
+            </a:prstGeom>
+          </p:spPr>
+        </p:pic>
+      </p:grpSp>
+      <p:sp>
+        <p:nvSpPr>
+          <p:cNvPr id="4" name="TextBox 3">
+            <a:extLst>
+              <a:ext uri="{FF2B5EF4-FFF2-40B4-BE49-F238E27FC236}">
+                <a16:creationId xmlns:a16="http://schemas.microsoft.com/office/drawing/2014/main" id="{9A0C5B9A-7ED7-A69E-A6E9-BBE85DFF83F3}"/>
+              </a:ext>
+            </a:extLst>
+          </p:cNvPr>
+          <p:cNvSpPr txBox="1"/>
+          <p:nvPr/>
+        </p:nvSpPr>
+        <p:spPr>
+          <a:xfrm>
+            <a:off x="1371600" y="700259"/>
+            <a:ext cx="14173200" cy="1015663"/>
+          </a:xfrm>
+          <a:prstGeom prst="rect">
+            <a:avLst/>
+          </a:prstGeom>
+          <a:noFill/>
+        </p:spPr>
+        <p:txBody>
+          <a:bodyPr wrap="square" rtlCol="0">
+            <a:spAutoFit/>
+          </a:bodyPr>
+          <a:lstStyle/>
+          <a:p>
+            <a:r>
               <a:rPr lang="en-US" altLang="ko-KR" sz="6000" b="0" i="0" dirty="0">
                 <a:solidFill>
                   <a:srgbClr val="000000"/>
@@ -15624,7 +15982,7 @@
 </p:sld>
 </file>
 
-<file path=ppt/slides/slide45.xml><?xml version="1.0" encoding="utf-8"?>
+<file path=ppt/slides/slide46.xml><?xml version="1.0" encoding="utf-8"?>
 <p:sld xmlns:a="http://schemas.openxmlformats.org/drawingml/2006/main" xmlns:r="http://schemas.openxmlformats.org/officeDocument/2006/relationships" xmlns:p="http://schemas.openxmlformats.org/presentationml/2006/main">
   <p:cSld name="Slide 11">
     <p:bg>
